--- a/ppt 16-9/0371.日光之上.pptx
+++ b/ppt 16-9/0371.日光之上.pptx
@@ -129,7 +129,7 @@
           <p:cNvPr id="2" name="标题 1">
             <a:extLst>
               <a:ext uri="{FF2B5EF4-FFF2-40B4-BE49-F238E27FC236}">
-                <a16:creationId xmlns:a16="http://schemas.microsoft.com/office/drawing/2014/main" id="{FD9B3E74-2D4C-5735-6CE1-3474925D274D}"/>
+                <a16:creationId xmlns:a16="http://schemas.microsoft.com/office/drawing/2014/main" id="{EECE8284-151C-6E1F-81F4-A987A3232DDC}"/>
               </a:ext>
             </a:extLst>
           </p:cNvPr>
@@ -166,7 +166,7 @@
           <p:cNvPr id="3" name="副标题 2">
             <a:extLst>
               <a:ext uri="{FF2B5EF4-FFF2-40B4-BE49-F238E27FC236}">
-                <a16:creationId xmlns:a16="http://schemas.microsoft.com/office/drawing/2014/main" id="{2270CE98-C692-7896-B282-40CF5EA6899E}"/>
+                <a16:creationId xmlns:a16="http://schemas.microsoft.com/office/drawing/2014/main" id="{EE460805-156B-8F96-8706-B4475B82B775}"/>
               </a:ext>
             </a:extLst>
           </p:cNvPr>
@@ -236,7 +236,7 @@
           <p:cNvPr id="4" name="日期占位符 3">
             <a:extLst>
               <a:ext uri="{FF2B5EF4-FFF2-40B4-BE49-F238E27FC236}">
-                <a16:creationId xmlns:a16="http://schemas.microsoft.com/office/drawing/2014/main" id="{87B8B86C-913A-7B8F-A0EB-3068524D5950}"/>
+                <a16:creationId xmlns:a16="http://schemas.microsoft.com/office/drawing/2014/main" id="{2C6344C4-D811-B1E1-009C-61B880826B62}"/>
               </a:ext>
             </a:extLst>
           </p:cNvPr>
@@ -252,7 +252,7 @@
           <a:bodyPr/>
           <a:lstStyle/>
           <a:p>
-            <a:fld id="{4A6A1132-455D-4E13-B6EB-E2A3215E5AA6}" type="datetimeFigureOut">
+            <a:fld id="{6F62FF46-77B7-48D7-BBD9-A2B95AA4F070}" type="datetimeFigureOut">
               <a:rPr lang="zh-CN" altLang="en-US" smtClean="0"/>
               <a:t>2024/3/10</a:t>
             </a:fld>
@@ -265,7 +265,7 @@
           <p:cNvPr id="5" name="页脚占位符 4">
             <a:extLst>
               <a:ext uri="{FF2B5EF4-FFF2-40B4-BE49-F238E27FC236}">
-                <a16:creationId xmlns:a16="http://schemas.microsoft.com/office/drawing/2014/main" id="{ACD56906-6E65-AE7F-1371-D03EA969D3BE}"/>
+                <a16:creationId xmlns:a16="http://schemas.microsoft.com/office/drawing/2014/main" id="{3F640241-1FFB-48B2-E869-5217DA08F3C5}"/>
               </a:ext>
             </a:extLst>
           </p:cNvPr>
@@ -290,7 +290,7 @@
           <p:cNvPr id="6" name="灯片编号占位符 5">
             <a:extLst>
               <a:ext uri="{FF2B5EF4-FFF2-40B4-BE49-F238E27FC236}">
-                <a16:creationId xmlns:a16="http://schemas.microsoft.com/office/drawing/2014/main" id="{501F0404-0529-807B-41C7-35A17C2D4D67}"/>
+                <a16:creationId xmlns:a16="http://schemas.microsoft.com/office/drawing/2014/main" id="{1A1DCC1A-F6E1-7BD2-C2D9-0EBBED70ADBF}"/>
               </a:ext>
             </a:extLst>
           </p:cNvPr>
@@ -306,7 +306,7 @@
           <a:bodyPr/>
           <a:lstStyle/>
           <a:p>
-            <a:fld id="{71343EC6-AF8D-4010-B889-0BE8FC10B32F}" type="slidenum">
+            <a:fld id="{FA4266F4-5737-421F-B8F1-6326A9F1BDF2}" type="slidenum">
               <a:rPr lang="zh-CN" altLang="en-US" smtClean="0"/>
               <a:t>‹#›</a:t>
             </a:fld>
@@ -317,7 +317,7 @@
     </p:spTree>
     <p:extLst>
       <p:ext uri="{BB962C8B-B14F-4D97-AF65-F5344CB8AC3E}">
-        <p14:creationId xmlns:p14="http://schemas.microsoft.com/office/powerpoint/2010/main" val="285612622"/>
+        <p14:creationId xmlns:p14="http://schemas.microsoft.com/office/powerpoint/2010/main" val="3686772562"/>
       </p:ext>
     </p:extLst>
   </p:cSld>
@@ -349,7 +349,7 @@
           <p:cNvPr id="2" name="标题 1">
             <a:extLst>
               <a:ext uri="{FF2B5EF4-FFF2-40B4-BE49-F238E27FC236}">
-                <a16:creationId xmlns:a16="http://schemas.microsoft.com/office/drawing/2014/main" id="{93FE3091-66AE-33D7-4032-2AD4DAFA0D9F}"/>
+                <a16:creationId xmlns:a16="http://schemas.microsoft.com/office/drawing/2014/main" id="{842EFDE1-42D5-643E-F9C5-9924674A7E3A}"/>
               </a:ext>
             </a:extLst>
           </p:cNvPr>
@@ -377,7 +377,7 @@
           <p:cNvPr id="3" name="竖排文字占位符 2">
             <a:extLst>
               <a:ext uri="{FF2B5EF4-FFF2-40B4-BE49-F238E27FC236}">
-                <a16:creationId xmlns:a16="http://schemas.microsoft.com/office/drawing/2014/main" id="{E3564682-FF54-DE42-94F3-7EEFD1C9210D}"/>
+                <a16:creationId xmlns:a16="http://schemas.microsoft.com/office/drawing/2014/main" id="{E79EDC9F-5307-0F0B-157C-1FB66179172A}"/>
               </a:ext>
             </a:extLst>
           </p:cNvPr>
@@ -434,7 +434,7 @@
           <p:cNvPr id="4" name="日期占位符 3">
             <a:extLst>
               <a:ext uri="{FF2B5EF4-FFF2-40B4-BE49-F238E27FC236}">
-                <a16:creationId xmlns:a16="http://schemas.microsoft.com/office/drawing/2014/main" id="{D26A0899-AD75-B692-524A-CDAD52F0CE61}"/>
+                <a16:creationId xmlns:a16="http://schemas.microsoft.com/office/drawing/2014/main" id="{0F9E8094-E935-41C5-2838-6088AAFD51E3}"/>
               </a:ext>
             </a:extLst>
           </p:cNvPr>
@@ -450,7 +450,7 @@
           <a:bodyPr/>
           <a:lstStyle/>
           <a:p>
-            <a:fld id="{4A6A1132-455D-4E13-B6EB-E2A3215E5AA6}" type="datetimeFigureOut">
+            <a:fld id="{6F62FF46-77B7-48D7-BBD9-A2B95AA4F070}" type="datetimeFigureOut">
               <a:rPr lang="zh-CN" altLang="en-US" smtClean="0"/>
               <a:t>2024/3/10</a:t>
             </a:fld>
@@ -463,7 +463,7 @@
           <p:cNvPr id="5" name="页脚占位符 4">
             <a:extLst>
               <a:ext uri="{FF2B5EF4-FFF2-40B4-BE49-F238E27FC236}">
-                <a16:creationId xmlns:a16="http://schemas.microsoft.com/office/drawing/2014/main" id="{8B145D34-C9E9-CD7D-D289-339F967AA2A4}"/>
+                <a16:creationId xmlns:a16="http://schemas.microsoft.com/office/drawing/2014/main" id="{7E022DB9-E2D7-5ED3-2B79-AC8CB38571BD}"/>
               </a:ext>
             </a:extLst>
           </p:cNvPr>
@@ -488,7 +488,7 @@
           <p:cNvPr id="6" name="灯片编号占位符 5">
             <a:extLst>
               <a:ext uri="{FF2B5EF4-FFF2-40B4-BE49-F238E27FC236}">
-                <a16:creationId xmlns:a16="http://schemas.microsoft.com/office/drawing/2014/main" id="{A8677D66-0B86-1FD4-89A3-24CF2207A3EF}"/>
+                <a16:creationId xmlns:a16="http://schemas.microsoft.com/office/drawing/2014/main" id="{B68E73B5-E1CB-0EBC-C3C8-7F4EE50F4F03}"/>
               </a:ext>
             </a:extLst>
           </p:cNvPr>
@@ -504,7 +504,7 @@
           <a:bodyPr/>
           <a:lstStyle/>
           <a:p>
-            <a:fld id="{71343EC6-AF8D-4010-B889-0BE8FC10B32F}" type="slidenum">
+            <a:fld id="{FA4266F4-5737-421F-B8F1-6326A9F1BDF2}" type="slidenum">
               <a:rPr lang="zh-CN" altLang="en-US" smtClean="0"/>
               <a:t>‹#›</a:t>
             </a:fld>
@@ -515,7 +515,7 @@
     </p:spTree>
     <p:extLst>
       <p:ext uri="{BB962C8B-B14F-4D97-AF65-F5344CB8AC3E}">
-        <p14:creationId xmlns:p14="http://schemas.microsoft.com/office/powerpoint/2010/main" val="1409301557"/>
+        <p14:creationId xmlns:p14="http://schemas.microsoft.com/office/powerpoint/2010/main" val="597361937"/>
       </p:ext>
     </p:extLst>
   </p:cSld>
@@ -547,7 +547,7 @@
           <p:cNvPr id="2" name="竖排标题 1">
             <a:extLst>
               <a:ext uri="{FF2B5EF4-FFF2-40B4-BE49-F238E27FC236}">
-                <a16:creationId xmlns:a16="http://schemas.microsoft.com/office/drawing/2014/main" id="{558CFF80-BB94-5F21-EB25-5059D8992A5A}"/>
+                <a16:creationId xmlns:a16="http://schemas.microsoft.com/office/drawing/2014/main" id="{8158EC6B-CAC3-8A4E-4817-EA55AB8A9E9C}"/>
               </a:ext>
             </a:extLst>
           </p:cNvPr>
@@ -580,7 +580,7 @@
           <p:cNvPr id="3" name="竖排文字占位符 2">
             <a:extLst>
               <a:ext uri="{FF2B5EF4-FFF2-40B4-BE49-F238E27FC236}">
-                <a16:creationId xmlns:a16="http://schemas.microsoft.com/office/drawing/2014/main" id="{254848A0-62F6-E7BA-8D31-4527F70B981C}"/>
+                <a16:creationId xmlns:a16="http://schemas.microsoft.com/office/drawing/2014/main" id="{BEEC7EEE-AF22-5723-84AA-5CCF7F5CFB35}"/>
               </a:ext>
             </a:extLst>
           </p:cNvPr>
@@ -642,7 +642,7 @@
           <p:cNvPr id="4" name="日期占位符 3">
             <a:extLst>
               <a:ext uri="{FF2B5EF4-FFF2-40B4-BE49-F238E27FC236}">
-                <a16:creationId xmlns:a16="http://schemas.microsoft.com/office/drawing/2014/main" id="{DBDD024F-B1DC-7EE1-AA68-E920C6987C54}"/>
+                <a16:creationId xmlns:a16="http://schemas.microsoft.com/office/drawing/2014/main" id="{7D9241E8-4389-1A23-40AE-38073F172DCE}"/>
               </a:ext>
             </a:extLst>
           </p:cNvPr>
@@ -658,7 +658,7 @@
           <a:bodyPr/>
           <a:lstStyle/>
           <a:p>
-            <a:fld id="{4A6A1132-455D-4E13-B6EB-E2A3215E5AA6}" type="datetimeFigureOut">
+            <a:fld id="{6F62FF46-77B7-48D7-BBD9-A2B95AA4F070}" type="datetimeFigureOut">
               <a:rPr lang="zh-CN" altLang="en-US" smtClean="0"/>
               <a:t>2024/3/10</a:t>
             </a:fld>
@@ -671,7 +671,7 @@
           <p:cNvPr id="5" name="页脚占位符 4">
             <a:extLst>
               <a:ext uri="{FF2B5EF4-FFF2-40B4-BE49-F238E27FC236}">
-                <a16:creationId xmlns:a16="http://schemas.microsoft.com/office/drawing/2014/main" id="{18703077-93B7-DF70-5908-417EBE7D115E}"/>
+                <a16:creationId xmlns:a16="http://schemas.microsoft.com/office/drawing/2014/main" id="{A7CDBF9C-5FF3-B034-A964-91BDD2EFC21D}"/>
               </a:ext>
             </a:extLst>
           </p:cNvPr>
@@ -696,7 +696,7 @@
           <p:cNvPr id="6" name="灯片编号占位符 5">
             <a:extLst>
               <a:ext uri="{FF2B5EF4-FFF2-40B4-BE49-F238E27FC236}">
-                <a16:creationId xmlns:a16="http://schemas.microsoft.com/office/drawing/2014/main" id="{04F3E909-A495-09C4-9040-7EF676FB1883}"/>
+                <a16:creationId xmlns:a16="http://schemas.microsoft.com/office/drawing/2014/main" id="{BA5F603B-5BAB-90E0-AF2A-0D15F8D684B5}"/>
               </a:ext>
             </a:extLst>
           </p:cNvPr>
@@ -712,7 +712,7 @@
           <a:bodyPr/>
           <a:lstStyle/>
           <a:p>
-            <a:fld id="{71343EC6-AF8D-4010-B889-0BE8FC10B32F}" type="slidenum">
+            <a:fld id="{FA4266F4-5737-421F-B8F1-6326A9F1BDF2}" type="slidenum">
               <a:rPr lang="zh-CN" altLang="en-US" smtClean="0"/>
               <a:t>‹#›</a:t>
             </a:fld>
@@ -723,7 +723,7 @@
     </p:spTree>
     <p:extLst>
       <p:ext uri="{BB962C8B-B14F-4D97-AF65-F5344CB8AC3E}">
-        <p14:creationId xmlns:p14="http://schemas.microsoft.com/office/powerpoint/2010/main" val="4241834480"/>
+        <p14:creationId xmlns:p14="http://schemas.microsoft.com/office/powerpoint/2010/main" val="2125019295"/>
       </p:ext>
     </p:extLst>
   </p:cSld>
@@ -755,7 +755,7 @@
           <p:cNvPr id="2" name="标题 1">
             <a:extLst>
               <a:ext uri="{FF2B5EF4-FFF2-40B4-BE49-F238E27FC236}">
-                <a16:creationId xmlns:a16="http://schemas.microsoft.com/office/drawing/2014/main" id="{70B16533-BBD0-46AB-FEED-2C3D487F101C}"/>
+                <a16:creationId xmlns:a16="http://schemas.microsoft.com/office/drawing/2014/main" id="{A814D62B-7A38-AB48-9E0A-B2EB9C75C2F1}"/>
               </a:ext>
             </a:extLst>
           </p:cNvPr>
@@ -783,7 +783,7 @@
           <p:cNvPr id="3" name="内容占位符 2">
             <a:extLst>
               <a:ext uri="{FF2B5EF4-FFF2-40B4-BE49-F238E27FC236}">
-                <a16:creationId xmlns:a16="http://schemas.microsoft.com/office/drawing/2014/main" id="{4D2463ED-A3B0-8ECD-A76A-7B17BA3DF052}"/>
+                <a16:creationId xmlns:a16="http://schemas.microsoft.com/office/drawing/2014/main" id="{E1D79D3E-3DAD-98AD-57EE-E773C7070AD4}"/>
               </a:ext>
             </a:extLst>
           </p:cNvPr>
@@ -840,7 +840,7 @@
           <p:cNvPr id="4" name="日期占位符 3">
             <a:extLst>
               <a:ext uri="{FF2B5EF4-FFF2-40B4-BE49-F238E27FC236}">
-                <a16:creationId xmlns:a16="http://schemas.microsoft.com/office/drawing/2014/main" id="{8E752F09-72FF-E290-89A1-28DCBA7E7B94}"/>
+                <a16:creationId xmlns:a16="http://schemas.microsoft.com/office/drawing/2014/main" id="{FD1D91D0-63ED-43D0-AE67-960DC170566C}"/>
               </a:ext>
             </a:extLst>
           </p:cNvPr>
@@ -856,7 +856,7 @@
           <a:bodyPr/>
           <a:lstStyle/>
           <a:p>
-            <a:fld id="{4A6A1132-455D-4E13-B6EB-E2A3215E5AA6}" type="datetimeFigureOut">
+            <a:fld id="{6F62FF46-77B7-48D7-BBD9-A2B95AA4F070}" type="datetimeFigureOut">
               <a:rPr lang="zh-CN" altLang="en-US" smtClean="0"/>
               <a:t>2024/3/10</a:t>
             </a:fld>
@@ -869,7 +869,7 @@
           <p:cNvPr id="5" name="页脚占位符 4">
             <a:extLst>
               <a:ext uri="{FF2B5EF4-FFF2-40B4-BE49-F238E27FC236}">
-                <a16:creationId xmlns:a16="http://schemas.microsoft.com/office/drawing/2014/main" id="{0999E80B-81E7-EA60-6AAC-FB506A8FC85A}"/>
+                <a16:creationId xmlns:a16="http://schemas.microsoft.com/office/drawing/2014/main" id="{CEE4B198-C6FA-0EA7-A1CE-8E067BF4E1CF}"/>
               </a:ext>
             </a:extLst>
           </p:cNvPr>
@@ -894,7 +894,7 @@
           <p:cNvPr id="6" name="灯片编号占位符 5">
             <a:extLst>
               <a:ext uri="{FF2B5EF4-FFF2-40B4-BE49-F238E27FC236}">
-                <a16:creationId xmlns:a16="http://schemas.microsoft.com/office/drawing/2014/main" id="{B1AA5F69-080A-2458-4E40-C8CD05EB27FE}"/>
+                <a16:creationId xmlns:a16="http://schemas.microsoft.com/office/drawing/2014/main" id="{733720DB-79AF-7888-9495-4F4279E4AD91}"/>
               </a:ext>
             </a:extLst>
           </p:cNvPr>
@@ -910,7 +910,7 @@
           <a:bodyPr/>
           <a:lstStyle/>
           <a:p>
-            <a:fld id="{71343EC6-AF8D-4010-B889-0BE8FC10B32F}" type="slidenum">
+            <a:fld id="{FA4266F4-5737-421F-B8F1-6326A9F1BDF2}" type="slidenum">
               <a:rPr lang="zh-CN" altLang="en-US" smtClean="0"/>
               <a:t>‹#›</a:t>
             </a:fld>
@@ -921,7 +921,7 @@
     </p:spTree>
     <p:extLst>
       <p:ext uri="{BB962C8B-B14F-4D97-AF65-F5344CB8AC3E}">
-        <p14:creationId xmlns:p14="http://schemas.microsoft.com/office/powerpoint/2010/main" val="4269346550"/>
+        <p14:creationId xmlns:p14="http://schemas.microsoft.com/office/powerpoint/2010/main" val="2301720276"/>
       </p:ext>
     </p:extLst>
   </p:cSld>
@@ -953,7 +953,7 @@
           <p:cNvPr id="2" name="标题 1">
             <a:extLst>
               <a:ext uri="{FF2B5EF4-FFF2-40B4-BE49-F238E27FC236}">
-                <a16:creationId xmlns:a16="http://schemas.microsoft.com/office/drawing/2014/main" id="{EB3356D9-B9E0-3BB3-324B-3DA897A3E2FC}"/>
+                <a16:creationId xmlns:a16="http://schemas.microsoft.com/office/drawing/2014/main" id="{1FBEBD06-0087-BE6A-9906-495B58B12271}"/>
               </a:ext>
             </a:extLst>
           </p:cNvPr>
@@ -990,7 +990,7 @@
           <p:cNvPr id="3" name="文本占位符 2">
             <a:extLst>
               <a:ext uri="{FF2B5EF4-FFF2-40B4-BE49-F238E27FC236}">
-                <a16:creationId xmlns:a16="http://schemas.microsoft.com/office/drawing/2014/main" id="{2ADDA32D-3298-E113-F53D-2BDBD8042183}"/>
+                <a16:creationId xmlns:a16="http://schemas.microsoft.com/office/drawing/2014/main" id="{E7F585E2-BAA8-80D3-F73D-95AF0DE98BF0}"/>
               </a:ext>
             </a:extLst>
           </p:cNvPr>
@@ -1115,7 +1115,7 @@
           <p:cNvPr id="4" name="日期占位符 3">
             <a:extLst>
               <a:ext uri="{FF2B5EF4-FFF2-40B4-BE49-F238E27FC236}">
-                <a16:creationId xmlns:a16="http://schemas.microsoft.com/office/drawing/2014/main" id="{64500AA5-46A2-6740-7000-6E7F83A60BC9}"/>
+                <a16:creationId xmlns:a16="http://schemas.microsoft.com/office/drawing/2014/main" id="{63DA2628-5E4A-2F2C-9052-8570DF1851B2}"/>
               </a:ext>
             </a:extLst>
           </p:cNvPr>
@@ -1131,7 +1131,7 @@
           <a:bodyPr/>
           <a:lstStyle/>
           <a:p>
-            <a:fld id="{4A6A1132-455D-4E13-B6EB-E2A3215E5AA6}" type="datetimeFigureOut">
+            <a:fld id="{6F62FF46-77B7-48D7-BBD9-A2B95AA4F070}" type="datetimeFigureOut">
               <a:rPr lang="zh-CN" altLang="en-US" smtClean="0"/>
               <a:t>2024/3/10</a:t>
             </a:fld>
@@ -1144,7 +1144,7 @@
           <p:cNvPr id="5" name="页脚占位符 4">
             <a:extLst>
               <a:ext uri="{FF2B5EF4-FFF2-40B4-BE49-F238E27FC236}">
-                <a16:creationId xmlns:a16="http://schemas.microsoft.com/office/drawing/2014/main" id="{FE9BB488-D624-65FA-8216-5F58C5DB1756}"/>
+                <a16:creationId xmlns:a16="http://schemas.microsoft.com/office/drawing/2014/main" id="{A42F63DC-C3A7-5012-AA2E-E4C67053F0DE}"/>
               </a:ext>
             </a:extLst>
           </p:cNvPr>
@@ -1169,7 +1169,7 @@
           <p:cNvPr id="6" name="灯片编号占位符 5">
             <a:extLst>
               <a:ext uri="{FF2B5EF4-FFF2-40B4-BE49-F238E27FC236}">
-                <a16:creationId xmlns:a16="http://schemas.microsoft.com/office/drawing/2014/main" id="{97AEFA31-47BC-4C66-9809-BCC8E41AD51F}"/>
+                <a16:creationId xmlns:a16="http://schemas.microsoft.com/office/drawing/2014/main" id="{2764B078-2938-23A7-4916-2EB2D7AB2D73}"/>
               </a:ext>
             </a:extLst>
           </p:cNvPr>
@@ -1185,7 +1185,7 @@
           <a:bodyPr/>
           <a:lstStyle/>
           <a:p>
-            <a:fld id="{71343EC6-AF8D-4010-B889-0BE8FC10B32F}" type="slidenum">
+            <a:fld id="{FA4266F4-5737-421F-B8F1-6326A9F1BDF2}" type="slidenum">
               <a:rPr lang="zh-CN" altLang="en-US" smtClean="0"/>
               <a:t>‹#›</a:t>
             </a:fld>
@@ -1196,7 +1196,7 @@
     </p:spTree>
     <p:extLst>
       <p:ext uri="{BB962C8B-B14F-4D97-AF65-F5344CB8AC3E}">
-        <p14:creationId xmlns:p14="http://schemas.microsoft.com/office/powerpoint/2010/main" val="1158085125"/>
+        <p14:creationId xmlns:p14="http://schemas.microsoft.com/office/powerpoint/2010/main" val="2926114520"/>
       </p:ext>
     </p:extLst>
   </p:cSld>
@@ -1228,7 +1228,7 @@
           <p:cNvPr id="2" name="标题 1">
             <a:extLst>
               <a:ext uri="{FF2B5EF4-FFF2-40B4-BE49-F238E27FC236}">
-                <a16:creationId xmlns:a16="http://schemas.microsoft.com/office/drawing/2014/main" id="{7C3F4E4C-2DC7-329F-2AD0-59224D58300F}"/>
+                <a16:creationId xmlns:a16="http://schemas.microsoft.com/office/drawing/2014/main" id="{C5157F0E-6276-532B-5F10-08164F3AD4C9}"/>
               </a:ext>
             </a:extLst>
           </p:cNvPr>
@@ -1256,7 +1256,7 @@
           <p:cNvPr id="3" name="内容占位符 2">
             <a:extLst>
               <a:ext uri="{FF2B5EF4-FFF2-40B4-BE49-F238E27FC236}">
-                <a16:creationId xmlns:a16="http://schemas.microsoft.com/office/drawing/2014/main" id="{D6B9F439-4765-19DF-3E72-B773A7A9039F}"/>
+                <a16:creationId xmlns:a16="http://schemas.microsoft.com/office/drawing/2014/main" id="{2AC3EE03-054D-EDE8-1FCF-6E6B9FB100C4}"/>
               </a:ext>
             </a:extLst>
           </p:cNvPr>
@@ -1318,7 +1318,7 @@
           <p:cNvPr id="4" name="内容占位符 3">
             <a:extLst>
               <a:ext uri="{FF2B5EF4-FFF2-40B4-BE49-F238E27FC236}">
-                <a16:creationId xmlns:a16="http://schemas.microsoft.com/office/drawing/2014/main" id="{1AC5243B-96F6-DA2C-C72F-0F3DC5446BBE}"/>
+                <a16:creationId xmlns:a16="http://schemas.microsoft.com/office/drawing/2014/main" id="{60396FE6-FDA0-38B5-397A-98D68BC886E0}"/>
               </a:ext>
             </a:extLst>
           </p:cNvPr>
@@ -1380,7 +1380,7 @@
           <p:cNvPr id="5" name="日期占位符 4">
             <a:extLst>
               <a:ext uri="{FF2B5EF4-FFF2-40B4-BE49-F238E27FC236}">
-                <a16:creationId xmlns:a16="http://schemas.microsoft.com/office/drawing/2014/main" id="{F1A88D62-8742-1527-90BD-8B11F1AECDE2}"/>
+                <a16:creationId xmlns:a16="http://schemas.microsoft.com/office/drawing/2014/main" id="{CC2C63A8-7066-B5EA-7EF6-6CAFA1AC0393}"/>
               </a:ext>
             </a:extLst>
           </p:cNvPr>
@@ -1396,7 +1396,7 @@
           <a:bodyPr/>
           <a:lstStyle/>
           <a:p>
-            <a:fld id="{4A6A1132-455D-4E13-B6EB-E2A3215E5AA6}" type="datetimeFigureOut">
+            <a:fld id="{6F62FF46-77B7-48D7-BBD9-A2B95AA4F070}" type="datetimeFigureOut">
               <a:rPr lang="zh-CN" altLang="en-US" smtClean="0"/>
               <a:t>2024/3/10</a:t>
             </a:fld>
@@ -1409,7 +1409,7 @@
           <p:cNvPr id="6" name="页脚占位符 5">
             <a:extLst>
               <a:ext uri="{FF2B5EF4-FFF2-40B4-BE49-F238E27FC236}">
-                <a16:creationId xmlns:a16="http://schemas.microsoft.com/office/drawing/2014/main" id="{164D3ABA-BBE5-B69A-A3C2-06F578D0B1AC}"/>
+                <a16:creationId xmlns:a16="http://schemas.microsoft.com/office/drawing/2014/main" id="{3016D608-7E46-E750-6671-FD759F0B7125}"/>
               </a:ext>
             </a:extLst>
           </p:cNvPr>
@@ -1434,7 +1434,7 @@
           <p:cNvPr id="7" name="灯片编号占位符 6">
             <a:extLst>
               <a:ext uri="{FF2B5EF4-FFF2-40B4-BE49-F238E27FC236}">
-                <a16:creationId xmlns:a16="http://schemas.microsoft.com/office/drawing/2014/main" id="{A62278DF-25B6-B0BD-21BD-23044231CB9C}"/>
+                <a16:creationId xmlns:a16="http://schemas.microsoft.com/office/drawing/2014/main" id="{C0F690CD-989E-3122-0950-B91A381DBF47}"/>
               </a:ext>
             </a:extLst>
           </p:cNvPr>
@@ -1450,7 +1450,7 @@
           <a:bodyPr/>
           <a:lstStyle/>
           <a:p>
-            <a:fld id="{71343EC6-AF8D-4010-B889-0BE8FC10B32F}" type="slidenum">
+            <a:fld id="{FA4266F4-5737-421F-B8F1-6326A9F1BDF2}" type="slidenum">
               <a:rPr lang="zh-CN" altLang="en-US" smtClean="0"/>
               <a:t>‹#›</a:t>
             </a:fld>
@@ -1461,7 +1461,7 @@
     </p:spTree>
     <p:extLst>
       <p:ext uri="{BB962C8B-B14F-4D97-AF65-F5344CB8AC3E}">
-        <p14:creationId xmlns:p14="http://schemas.microsoft.com/office/powerpoint/2010/main" val="3843840154"/>
+        <p14:creationId xmlns:p14="http://schemas.microsoft.com/office/powerpoint/2010/main" val="3342126553"/>
       </p:ext>
     </p:extLst>
   </p:cSld>
@@ -1493,7 +1493,7 @@
           <p:cNvPr id="2" name="标题 1">
             <a:extLst>
               <a:ext uri="{FF2B5EF4-FFF2-40B4-BE49-F238E27FC236}">
-                <a16:creationId xmlns:a16="http://schemas.microsoft.com/office/drawing/2014/main" id="{D3EEC543-8EC6-0F8A-E8DE-02A65027B211}"/>
+                <a16:creationId xmlns:a16="http://schemas.microsoft.com/office/drawing/2014/main" id="{2983CABC-65DD-3F66-D279-F23ED6B62AC7}"/>
               </a:ext>
             </a:extLst>
           </p:cNvPr>
@@ -1526,7 +1526,7 @@
           <p:cNvPr id="3" name="文本占位符 2">
             <a:extLst>
               <a:ext uri="{FF2B5EF4-FFF2-40B4-BE49-F238E27FC236}">
-                <a16:creationId xmlns:a16="http://schemas.microsoft.com/office/drawing/2014/main" id="{0D57DBBD-6C38-7B90-71D5-27CF7C3F1ECA}"/>
+                <a16:creationId xmlns:a16="http://schemas.microsoft.com/office/drawing/2014/main" id="{6023637D-0638-2CF1-DDA3-471E5F035AFD}"/>
               </a:ext>
             </a:extLst>
           </p:cNvPr>
@@ -1597,7 +1597,7 @@
           <p:cNvPr id="4" name="内容占位符 3">
             <a:extLst>
               <a:ext uri="{FF2B5EF4-FFF2-40B4-BE49-F238E27FC236}">
-                <a16:creationId xmlns:a16="http://schemas.microsoft.com/office/drawing/2014/main" id="{7B6C0ECE-DBD6-E319-78B2-11F5A3B6F5F1}"/>
+                <a16:creationId xmlns:a16="http://schemas.microsoft.com/office/drawing/2014/main" id="{912B7655-7DA9-DA33-137D-32DFCD06B783}"/>
               </a:ext>
             </a:extLst>
           </p:cNvPr>
@@ -1659,7 +1659,7 @@
           <p:cNvPr id="5" name="文本占位符 4">
             <a:extLst>
               <a:ext uri="{FF2B5EF4-FFF2-40B4-BE49-F238E27FC236}">
-                <a16:creationId xmlns:a16="http://schemas.microsoft.com/office/drawing/2014/main" id="{5C750451-53DC-50CD-8C07-047D9254FC72}"/>
+                <a16:creationId xmlns:a16="http://schemas.microsoft.com/office/drawing/2014/main" id="{975A977F-4CA1-5832-FA07-CD27A1FA4579}"/>
               </a:ext>
             </a:extLst>
           </p:cNvPr>
@@ -1730,7 +1730,7 @@
           <p:cNvPr id="6" name="内容占位符 5">
             <a:extLst>
               <a:ext uri="{FF2B5EF4-FFF2-40B4-BE49-F238E27FC236}">
-                <a16:creationId xmlns:a16="http://schemas.microsoft.com/office/drawing/2014/main" id="{9B0AA735-4F98-0BB7-BC72-373DBE0765AA}"/>
+                <a16:creationId xmlns:a16="http://schemas.microsoft.com/office/drawing/2014/main" id="{11578464-F9E0-D467-7071-ED25ABBF8482}"/>
               </a:ext>
             </a:extLst>
           </p:cNvPr>
@@ -1792,7 +1792,7 @@
           <p:cNvPr id="7" name="日期占位符 6">
             <a:extLst>
               <a:ext uri="{FF2B5EF4-FFF2-40B4-BE49-F238E27FC236}">
-                <a16:creationId xmlns:a16="http://schemas.microsoft.com/office/drawing/2014/main" id="{01A02177-870E-85A0-4A84-A5ED1683DCFE}"/>
+                <a16:creationId xmlns:a16="http://schemas.microsoft.com/office/drawing/2014/main" id="{D1C28B08-9A55-9483-A0C1-8BA0DB79C516}"/>
               </a:ext>
             </a:extLst>
           </p:cNvPr>
@@ -1808,7 +1808,7 @@
           <a:bodyPr/>
           <a:lstStyle/>
           <a:p>
-            <a:fld id="{4A6A1132-455D-4E13-B6EB-E2A3215E5AA6}" type="datetimeFigureOut">
+            <a:fld id="{6F62FF46-77B7-48D7-BBD9-A2B95AA4F070}" type="datetimeFigureOut">
               <a:rPr lang="zh-CN" altLang="en-US" smtClean="0"/>
               <a:t>2024/3/10</a:t>
             </a:fld>
@@ -1821,7 +1821,7 @@
           <p:cNvPr id="8" name="页脚占位符 7">
             <a:extLst>
               <a:ext uri="{FF2B5EF4-FFF2-40B4-BE49-F238E27FC236}">
-                <a16:creationId xmlns:a16="http://schemas.microsoft.com/office/drawing/2014/main" id="{028714B4-3854-A56E-76FA-863378226A24}"/>
+                <a16:creationId xmlns:a16="http://schemas.microsoft.com/office/drawing/2014/main" id="{855DF67D-08EE-4F45-56EB-B8D0BE91CE49}"/>
               </a:ext>
             </a:extLst>
           </p:cNvPr>
@@ -1846,7 +1846,7 @@
           <p:cNvPr id="9" name="灯片编号占位符 8">
             <a:extLst>
               <a:ext uri="{FF2B5EF4-FFF2-40B4-BE49-F238E27FC236}">
-                <a16:creationId xmlns:a16="http://schemas.microsoft.com/office/drawing/2014/main" id="{D79958F9-DF65-94B3-35E4-67DEB73D88A9}"/>
+                <a16:creationId xmlns:a16="http://schemas.microsoft.com/office/drawing/2014/main" id="{AE7ACB53-FE28-0C95-521C-2B86689D8B7B}"/>
               </a:ext>
             </a:extLst>
           </p:cNvPr>
@@ -1862,7 +1862,7 @@
           <a:bodyPr/>
           <a:lstStyle/>
           <a:p>
-            <a:fld id="{71343EC6-AF8D-4010-B889-0BE8FC10B32F}" type="slidenum">
+            <a:fld id="{FA4266F4-5737-421F-B8F1-6326A9F1BDF2}" type="slidenum">
               <a:rPr lang="zh-CN" altLang="en-US" smtClean="0"/>
               <a:t>‹#›</a:t>
             </a:fld>
@@ -1873,7 +1873,7 @@
     </p:spTree>
     <p:extLst>
       <p:ext uri="{BB962C8B-B14F-4D97-AF65-F5344CB8AC3E}">
-        <p14:creationId xmlns:p14="http://schemas.microsoft.com/office/powerpoint/2010/main" val="434820843"/>
+        <p14:creationId xmlns:p14="http://schemas.microsoft.com/office/powerpoint/2010/main" val="4054587934"/>
       </p:ext>
     </p:extLst>
   </p:cSld>
@@ -1905,7 +1905,7 @@
           <p:cNvPr id="2" name="标题 1">
             <a:extLst>
               <a:ext uri="{FF2B5EF4-FFF2-40B4-BE49-F238E27FC236}">
-                <a16:creationId xmlns:a16="http://schemas.microsoft.com/office/drawing/2014/main" id="{FC9D71E8-BC0D-E0DE-E240-C7E5337B724B}"/>
+                <a16:creationId xmlns:a16="http://schemas.microsoft.com/office/drawing/2014/main" id="{092EAB4D-8821-EFF6-1270-73AC254E674A}"/>
               </a:ext>
             </a:extLst>
           </p:cNvPr>
@@ -1933,7 +1933,7 @@
           <p:cNvPr id="3" name="日期占位符 2">
             <a:extLst>
               <a:ext uri="{FF2B5EF4-FFF2-40B4-BE49-F238E27FC236}">
-                <a16:creationId xmlns:a16="http://schemas.microsoft.com/office/drawing/2014/main" id="{019F9A4D-B1CD-D869-AEC9-7F6D4D2830C3}"/>
+                <a16:creationId xmlns:a16="http://schemas.microsoft.com/office/drawing/2014/main" id="{E4A4F715-5AF1-B3C8-9492-DFDA2354E86E}"/>
               </a:ext>
             </a:extLst>
           </p:cNvPr>
@@ -1949,7 +1949,7 @@
           <a:bodyPr/>
           <a:lstStyle/>
           <a:p>
-            <a:fld id="{4A6A1132-455D-4E13-B6EB-E2A3215E5AA6}" type="datetimeFigureOut">
+            <a:fld id="{6F62FF46-77B7-48D7-BBD9-A2B95AA4F070}" type="datetimeFigureOut">
               <a:rPr lang="zh-CN" altLang="en-US" smtClean="0"/>
               <a:t>2024/3/10</a:t>
             </a:fld>
@@ -1962,7 +1962,7 @@
           <p:cNvPr id="4" name="页脚占位符 3">
             <a:extLst>
               <a:ext uri="{FF2B5EF4-FFF2-40B4-BE49-F238E27FC236}">
-                <a16:creationId xmlns:a16="http://schemas.microsoft.com/office/drawing/2014/main" id="{B0FDB201-2B82-E6B0-B020-605066CB2B3E}"/>
+                <a16:creationId xmlns:a16="http://schemas.microsoft.com/office/drawing/2014/main" id="{7D1C6375-4173-9420-44A3-EECBB26E493C}"/>
               </a:ext>
             </a:extLst>
           </p:cNvPr>
@@ -1987,7 +1987,7 @@
           <p:cNvPr id="5" name="灯片编号占位符 4">
             <a:extLst>
               <a:ext uri="{FF2B5EF4-FFF2-40B4-BE49-F238E27FC236}">
-                <a16:creationId xmlns:a16="http://schemas.microsoft.com/office/drawing/2014/main" id="{7F440A25-77B8-BACB-72FF-74B1AD352BE0}"/>
+                <a16:creationId xmlns:a16="http://schemas.microsoft.com/office/drawing/2014/main" id="{F43F5D85-A480-5463-0C72-4D7179A34A05}"/>
               </a:ext>
             </a:extLst>
           </p:cNvPr>
@@ -2003,7 +2003,7 @@
           <a:bodyPr/>
           <a:lstStyle/>
           <a:p>
-            <a:fld id="{71343EC6-AF8D-4010-B889-0BE8FC10B32F}" type="slidenum">
+            <a:fld id="{FA4266F4-5737-421F-B8F1-6326A9F1BDF2}" type="slidenum">
               <a:rPr lang="zh-CN" altLang="en-US" smtClean="0"/>
               <a:t>‹#›</a:t>
             </a:fld>
@@ -2014,7 +2014,7 @@
     </p:spTree>
     <p:extLst>
       <p:ext uri="{BB962C8B-B14F-4D97-AF65-F5344CB8AC3E}">
-        <p14:creationId xmlns:p14="http://schemas.microsoft.com/office/powerpoint/2010/main" val="1829935327"/>
+        <p14:creationId xmlns:p14="http://schemas.microsoft.com/office/powerpoint/2010/main" val="1867557036"/>
       </p:ext>
     </p:extLst>
   </p:cSld>
@@ -2046,7 +2046,7 @@
           <p:cNvPr id="2" name="日期占位符 1">
             <a:extLst>
               <a:ext uri="{FF2B5EF4-FFF2-40B4-BE49-F238E27FC236}">
-                <a16:creationId xmlns:a16="http://schemas.microsoft.com/office/drawing/2014/main" id="{5772EA33-CCD4-BD1A-7A91-A75FBBFA987D}"/>
+                <a16:creationId xmlns:a16="http://schemas.microsoft.com/office/drawing/2014/main" id="{DABBF0C9-11D1-79A7-6022-62D7625ABC4F}"/>
               </a:ext>
             </a:extLst>
           </p:cNvPr>
@@ -2062,7 +2062,7 @@
           <a:bodyPr/>
           <a:lstStyle/>
           <a:p>
-            <a:fld id="{4A6A1132-455D-4E13-B6EB-E2A3215E5AA6}" type="datetimeFigureOut">
+            <a:fld id="{6F62FF46-77B7-48D7-BBD9-A2B95AA4F070}" type="datetimeFigureOut">
               <a:rPr lang="zh-CN" altLang="en-US" smtClean="0"/>
               <a:t>2024/3/10</a:t>
             </a:fld>
@@ -2075,7 +2075,7 @@
           <p:cNvPr id="3" name="页脚占位符 2">
             <a:extLst>
               <a:ext uri="{FF2B5EF4-FFF2-40B4-BE49-F238E27FC236}">
-                <a16:creationId xmlns:a16="http://schemas.microsoft.com/office/drawing/2014/main" id="{1A13A11C-1F91-C1C2-9D02-27207486C028}"/>
+                <a16:creationId xmlns:a16="http://schemas.microsoft.com/office/drawing/2014/main" id="{00DBBE91-CDA8-05F5-81DA-EA5ECE1F63BE}"/>
               </a:ext>
             </a:extLst>
           </p:cNvPr>
@@ -2100,7 +2100,7 @@
           <p:cNvPr id="4" name="灯片编号占位符 3">
             <a:extLst>
               <a:ext uri="{FF2B5EF4-FFF2-40B4-BE49-F238E27FC236}">
-                <a16:creationId xmlns:a16="http://schemas.microsoft.com/office/drawing/2014/main" id="{001D619E-04F9-D0B3-2456-4E736B7397B5}"/>
+                <a16:creationId xmlns:a16="http://schemas.microsoft.com/office/drawing/2014/main" id="{51E06266-0B91-6013-B864-9BB348CC71D3}"/>
               </a:ext>
             </a:extLst>
           </p:cNvPr>
@@ -2116,7 +2116,7 @@
           <a:bodyPr/>
           <a:lstStyle/>
           <a:p>
-            <a:fld id="{71343EC6-AF8D-4010-B889-0BE8FC10B32F}" type="slidenum">
+            <a:fld id="{FA4266F4-5737-421F-B8F1-6326A9F1BDF2}" type="slidenum">
               <a:rPr lang="zh-CN" altLang="en-US" smtClean="0"/>
               <a:t>‹#›</a:t>
             </a:fld>
@@ -2127,7 +2127,7 @@
     </p:spTree>
     <p:extLst>
       <p:ext uri="{BB962C8B-B14F-4D97-AF65-F5344CB8AC3E}">
-        <p14:creationId xmlns:p14="http://schemas.microsoft.com/office/powerpoint/2010/main" val="1652140386"/>
+        <p14:creationId xmlns:p14="http://schemas.microsoft.com/office/powerpoint/2010/main" val="406519496"/>
       </p:ext>
     </p:extLst>
   </p:cSld>
@@ -2159,7 +2159,7 @@
           <p:cNvPr id="2" name="标题 1">
             <a:extLst>
               <a:ext uri="{FF2B5EF4-FFF2-40B4-BE49-F238E27FC236}">
-                <a16:creationId xmlns:a16="http://schemas.microsoft.com/office/drawing/2014/main" id="{D0856EA6-D2D5-F308-9771-8827A74FF153}"/>
+                <a16:creationId xmlns:a16="http://schemas.microsoft.com/office/drawing/2014/main" id="{769B4201-0BEC-89B1-ACED-91552C704F14}"/>
               </a:ext>
             </a:extLst>
           </p:cNvPr>
@@ -2196,7 +2196,7 @@
           <p:cNvPr id="3" name="内容占位符 2">
             <a:extLst>
               <a:ext uri="{FF2B5EF4-FFF2-40B4-BE49-F238E27FC236}">
-                <a16:creationId xmlns:a16="http://schemas.microsoft.com/office/drawing/2014/main" id="{EC69FAF1-5181-2549-35FA-945DB15A8DEB}"/>
+                <a16:creationId xmlns:a16="http://schemas.microsoft.com/office/drawing/2014/main" id="{4D819EEC-9C4C-DECF-FB1F-DD0D04497B0C}"/>
               </a:ext>
             </a:extLst>
           </p:cNvPr>
@@ -2286,7 +2286,7 @@
           <p:cNvPr id="4" name="文本占位符 3">
             <a:extLst>
               <a:ext uri="{FF2B5EF4-FFF2-40B4-BE49-F238E27FC236}">
-                <a16:creationId xmlns:a16="http://schemas.microsoft.com/office/drawing/2014/main" id="{8BDB43E4-5F4D-5BA3-67FB-E55FF2836323}"/>
+                <a16:creationId xmlns:a16="http://schemas.microsoft.com/office/drawing/2014/main" id="{3DDE7E20-BCDF-1DDC-71BB-5C59606EE4F0}"/>
               </a:ext>
             </a:extLst>
           </p:cNvPr>
@@ -2357,7 +2357,7 @@
           <p:cNvPr id="5" name="日期占位符 4">
             <a:extLst>
               <a:ext uri="{FF2B5EF4-FFF2-40B4-BE49-F238E27FC236}">
-                <a16:creationId xmlns:a16="http://schemas.microsoft.com/office/drawing/2014/main" id="{2E2D8938-2CE7-2118-9F2A-9F21313E926A}"/>
+                <a16:creationId xmlns:a16="http://schemas.microsoft.com/office/drawing/2014/main" id="{95FD6041-7526-3B40-DB07-74741E286BF9}"/>
               </a:ext>
             </a:extLst>
           </p:cNvPr>
@@ -2373,7 +2373,7 @@
           <a:bodyPr/>
           <a:lstStyle/>
           <a:p>
-            <a:fld id="{4A6A1132-455D-4E13-B6EB-E2A3215E5AA6}" type="datetimeFigureOut">
+            <a:fld id="{6F62FF46-77B7-48D7-BBD9-A2B95AA4F070}" type="datetimeFigureOut">
               <a:rPr lang="zh-CN" altLang="en-US" smtClean="0"/>
               <a:t>2024/3/10</a:t>
             </a:fld>
@@ -2386,7 +2386,7 @@
           <p:cNvPr id="6" name="页脚占位符 5">
             <a:extLst>
               <a:ext uri="{FF2B5EF4-FFF2-40B4-BE49-F238E27FC236}">
-                <a16:creationId xmlns:a16="http://schemas.microsoft.com/office/drawing/2014/main" id="{43913A0B-F1BF-FDC8-745F-87C755871DE3}"/>
+                <a16:creationId xmlns:a16="http://schemas.microsoft.com/office/drawing/2014/main" id="{D36B94EB-D196-E228-A9AD-05628CE30DAC}"/>
               </a:ext>
             </a:extLst>
           </p:cNvPr>
@@ -2411,7 +2411,7 @@
           <p:cNvPr id="7" name="灯片编号占位符 6">
             <a:extLst>
               <a:ext uri="{FF2B5EF4-FFF2-40B4-BE49-F238E27FC236}">
-                <a16:creationId xmlns:a16="http://schemas.microsoft.com/office/drawing/2014/main" id="{1FA69213-B023-D220-8459-07A5AC7D95F1}"/>
+                <a16:creationId xmlns:a16="http://schemas.microsoft.com/office/drawing/2014/main" id="{AD977971-6365-903A-696C-29F0B80D3442}"/>
               </a:ext>
             </a:extLst>
           </p:cNvPr>
@@ -2427,7 +2427,7 @@
           <a:bodyPr/>
           <a:lstStyle/>
           <a:p>
-            <a:fld id="{71343EC6-AF8D-4010-B889-0BE8FC10B32F}" type="slidenum">
+            <a:fld id="{FA4266F4-5737-421F-B8F1-6326A9F1BDF2}" type="slidenum">
               <a:rPr lang="zh-CN" altLang="en-US" smtClean="0"/>
               <a:t>‹#›</a:t>
             </a:fld>
@@ -2438,7 +2438,7 @@
     </p:spTree>
     <p:extLst>
       <p:ext uri="{BB962C8B-B14F-4D97-AF65-F5344CB8AC3E}">
-        <p14:creationId xmlns:p14="http://schemas.microsoft.com/office/powerpoint/2010/main" val="4196267728"/>
+        <p14:creationId xmlns:p14="http://schemas.microsoft.com/office/powerpoint/2010/main" val="3430239754"/>
       </p:ext>
     </p:extLst>
   </p:cSld>
@@ -2470,7 +2470,7 @@
           <p:cNvPr id="2" name="标题 1">
             <a:extLst>
               <a:ext uri="{FF2B5EF4-FFF2-40B4-BE49-F238E27FC236}">
-                <a16:creationId xmlns:a16="http://schemas.microsoft.com/office/drawing/2014/main" id="{6F53F55F-0739-5C3C-A7DB-52EAB80D4017}"/>
+                <a16:creationId xmlns:a16="http://schemas.microsoft.com/office/drawing/2014/main" id="{A7500D4F-37FA-9C4C-84AB-A4D1304E8AD4}"/>
               </a:ext>
             </a:extLst>
           </p:cNvPr>
@@ -2507,7 +2507,7 @@
           <p:cNvPr id="3" name="图片占位符 2">
             <a:extLst>
               <a:ext uri="{FF2B5EF4-FFF2-40B4-BE49-F238E27FC236}">
-                <a16:creationId xmlns:a16="http://schemas.microsoft.com/office/drawing/2014/main" id="{FF3B215F-B971-A2B1-8590-4BE249B8E531}"/>
+                <a16:creationId xmlns:a16="http://schemas.microsoft.com/office/drawing/2014/main" id="{0C334FCE-0F59-A3B1-EBD5-54B53DFEDB7F}"/>
               </a:ext>
             </a:extLst>
           </p:cNvPr>
@@ -2574,7 +2574,7 @@
           <p:cNvPr id="4" name="文本占位符 3">
             <a:extLst>
               <a:ext uri="{FF2B5EF4-FFF2-40B4-BE49-F238E27FC236}">
-                <a16:creationId xmlns:a16="http://schemas.microsoft.com/office/drawing/2014/main" id="{FF1C57E5-C45A-1FB2-61DA-B1E0C651459D}"/>
+                <a16:creationId xmlns:a16="http://schemas.microsoft.com/office/drawing/2014/main" id="{6EC1DD93-A3BD-D4EC-6F12-93F9828D5AE7}"/>
               </a:ext>
             </a:extLst>
           </p:cNvPr>
@@ -2645,7 +2645,7 @@
           <p:cNvPr id="5" name="日期占位符 4">
             <a:extLst>
               <a:ext uri="{FF2B5EF4-FFF2-40B4-BE49-F238E27FC236}">
-                <a16:creationId xmlns:a16="http://schemas.microsoft.com/office/drawing/2014/main" id="{51F912D3-595D-EF1F-3870-343773391E19}"/>
+                <a16:creationId xmlns:a16="http://schemas.microsoft.com/office/drawing/2014/main" id="{7C1A95C7-9303-E2B3-606C-9409799BB856}"/>
               </a:ext>
             </a:extLst>
           </p:cNvPr>
@@ -2661,7 +2661,7 @@
           <a:bodyPr/>
           <a:lstStyle/>
           <a:p>
-            <a:fld id="{4A6A1132-455D-4E13-B6EB-E2A3215E5AA6}" type="datetimeFigureOut">
+            <a:fld id="{6F62FF46-77B7-48D7-BBD9-A2B95AA4F070}" type="datetimeFigureOut">
               <a:rPr lang="zh-CN" altLang="en-US" smtClean="0"/>
               <a:t>2024/3/10</a:t>
             </a:fld>
@@ -2674,7 +2674,7 @@
           <p:cNvPr id="6" name="页脚占位符 5">
             <a:extLst>
               <a:ext uri="{FF2B5EF4-FFF2-40B4-BE49-F238E27FC236}">
-                <a16:creationId xmlns:a16="http://schemas.microsoft.com/office/drawing/2014/main" id="{33AEADAB-C819-E00D-4ADC-82AE2F9175CB}"/>
+                <a16:creationId xmlns:a16="http://schemas.microsoft.com/office/drawing/2014/main" id="{B5813C5F-E93F-E9BA-D11A-33064D76D65C}"/>
               </a:ext>
             </a:extLst>
           </p:cNvPr>
@@ -2699,7 +2699,7 @@
           <p:cNvPr id="7" name="灯片编号占位符 6">
             <a:extLst>
               <a:ext uri="{FF2B5EF4-FFF2-40B4-BE49-F238E27FC236}">
-                <a16:creationId xmlns:a16="http://schemas.microsoft.com/office/drawing/2014/main" id="{723B7120-41AB-12C8-C700-A6040887555E}"/>
+                <a16:creationId xmlns:a16="http://schemas.microsoft.com/office/drawing/2014/main" id="{89220A09-7637-EC45-2AC0-0991068FDE0C}"/>
               </a:ext>
             </a:extLst>
           </p:cNvPr>
@@ -2715,7 +2715,7 @@
           <a:bodyPr/>
           <a:lstStyle/>
           <a:p>
-            <a:fld id="{71343EC6-AF8D-4010-B889-0BE8FC10B32F}" type="slidenum">
+            <a:fld id="{FA4266F4-5737-421F-B8F1-6326A9F1BDF2}" type="slidenum">
               <a:rPr lang="zh-CN" altLang="en-US" smtClean="0"/>
               <a:t>‹#›</a:t>
             </a:fld>
@@ -2726,7 +2726,7 @@
     </p:spTree>
     <p:extLst>
       <p:ext uri="{BB962C8B-B14F-4D97-AF65-F5344CB8AC3E}">
-        <p14:creationId xmlns:p14="http://schemas.microsoft.com/office/powerpoint/2010/main" val="2487378768"/>
+        <p14:creationId xmlns:p14="http://schemas.microsoft.com/office/powerpoint/2010/main" val="2013184705"/>
       </p:ext>
     </p:extLst>
   </p:cSld>
@@ -2763,7 +2763,7 @@
           <p:cNvPr id="2" name="标题占位符 1">
             <a:extLst>
               <a:ext uri="{FF2B5EF4-FFF2-40B4-BE49-F238E27FC236}">
-                <a16:creationId xmlns:a16="http://schemas.microsoft.com/office/drawing/2014/main" id="{95243AB8-86D3-2B6E-190A-0C1DA3C2B5B3}"/>
+                <a16:creationId xmlns:a16="http://schemas.microsoft.com/office/drawing/2014/main" id="{28D6DDDE-0CDB-D136-DD0D-735E2495B1A9}"/>
               </a:ext>
             </a:extLst>
           </p:cNvPr>
@@ -2801,7 +2801,7 @@
           <p:cNvPr id="3" name="文本占位符 2">
             <a:extLst>
               <a:ext uri="{FF2B5EF4-FFF2-40B4-BE49-F238E27FC236}">
-                <a16:creationId xmlns:a16="http://schemas.microsoft.com/office/drawing/2014/main" id="{11766189-27B3-F612-818F-6027F5D2E3F6}"/>
+                <a16:creationId xmlns:a16="http://schemas.microsoft.com/office/drawing/2014/main" id="{734B7EBB-5B3E-4BA3-1DF9-10806EBE4387}"/>
               </a:ext>
             </a:extLst>
           </p:cNvPr>
@@ -2868,7 +2868,7 @@
           <p:cNvPr id="4" name="日期占位符 3">
             <a:extLst>
               <a:ext uri="{FF2B5EF4-FFF2-40B4-BE49-F238E27FC236}">
-                <a16:creationId xmlns:a16="http://schemas.microsoft.com/office/drawing/2014/main" id="{094DC424-9939-E179-9785-3284BCF7F597}"/>
+                <a16:creationId xmlns:a16="http://schemas.microsoft.com/office/drawing/2014/main" id="{C8442BDE-9E7C-2046-AFFE-0FB33E4D620B}"/>
               </a:ext>
             </a:extLst>
           </p:cNvPr>
@@ -2902,7 +2902,7 @@
             </a:lvl1pPr>
           </a:lstStyle>
           <a:p>
-            <a:fld id="{4A6A1132-455D-4E13-B6EB-E2A3215E5AA6}" type="datetimeFigureOut">
+            <a:fld id="{6F62FF46-77B7-48D7-BBD9-A2B95AA4F070}" type="datetimeFigureOut">
               <a:rPr lang="zh-CN" altLang="en-US" smtClean="0"/>
               <a:t>2024/3/10</a:t>
             </a:fld>
@@ -2915,7 +2915,7 @@
           <p:cNvPr id="5" name="页脚占位符 4">
             <a:extLst>
               <a:ext uri="{FF2B5EF4-FFF2-40B4-BE49-F238E27FC236}">
-                <a16:creationId xmlns:a16="http://schemas.microsoft.com/office/drawing/2014/main" id="{D75E7677-B6FD-D519-1FEA-2D3F1157F856}"/>
+                <a16:creationId xmlns:a16="http://schemas.microsoft.com/office/drawing/2014/main" id="{7C37C886-FC7E-2176-B546-F939F43113C5}"/>
               </a:ext>
             </a:extLst>
           </p:cNvPr>
@@ -2958,7 +2958,7 @@
           <p:cNvPr id="6" name="灯片编号占位符 5">
             <a:extLst>
               <a:ext uri="{FF2B5EF4-FFF2-40B4-BE49-F238E27FC236}">
-                <a16:creationId xmlns:a16="http://schemas.microsoft.com/office/drawing/2014/main" id="{5C8DE12F-8B05-7027-99A9-9C653D1E3FC9}"/>
+                <a16:creationId xmlns:a16="http://schemas.microsoft.com/office/drawing/2014/main" id="{F36EC6F3-2ADF-7B73-5218-DEFB4920E18C}"/>
               </a:ext>
             </a:extLst>
           </p:cNvPr>
@@ -2992,7 +2992,7 @@
             </a:lvl1pPr>
           </a:lstStyle>
           <a:p>
-            <a:fld id="{71343EC6-AF8D-4010-B889-0BE8FC10B32F}" type="slidenum">
+            <a:fld id="{FA4266F4-5737-421F-B8F1-6326A9F1BDF2}" type="slidenum">
               <a:rPr lang="zh-CN" altLang="en-US" smtClean="0"/>
               <a:t>‹#›</a:t>
             </a:fld>
@@ -3003,7 +3003,7 @@
     </p:spTree>
     <p:extLst>
       <p:ext uri="{BB962C8B-B14F-4D97-AF65-F5344CB8AC3E}">
-        <p14:creationId xmlns:p14="http://schemas.microsoft.com/office/powerpoint/2010/main" val="2522868660"/>
+        <p14:creationId xmlns:p14="http://schemas.microsoft.com/office/powerpoint/2010/main" val="2881222328"/>
       </p:ext>
     </p:extLst>
   </p:cSld>
